--- a/Presentation/Preinds_Demo.pptx
+++ b/Presentation/Preinds_Demo.pptx
@@ -12,39 +12,39 @@
     <p:sldId id="355" r:id="rId3"/>
     <p:sldId id="364" r:id="rId4"/>
     <p:sldId id="367" r:id="rId5"/>
-    <p:sldId id="370" r:id="rId6"/>
-    <p:sldId id="365" r:id="rId7"/>
-    <p:sldId id="369" r:id="rId8"/>
-    <p:sldId id="366" r:id="rId9"/>
+    <p:sldId id="365" r:id="rId6"/>
+    <p:sldId id="369" r:id="rId7"/>
+    <p:sldId id="366" r:id="rId8"/>
+    <p:sldId id="370" r:id="rId9"/>
     <p:sldId id="328" r:id="rId10"/>
   </p:sldIdLst>
   <p:sldSz cx="12192000" cy="6858000"/>
   <p:notesSz cx="6858000" cy="9144000"/>
   <p:embeddedFontLst>
     <p:embeddedFont>
-      <p:font typeface="KoPub돋움체 Bold" panose="02020603020101020101" pitchFamily="18" charset="-127"/>
+      <p:font typeface="BigNoodleTitling" panose="020B0600000101010101" charset="0"/>
       <p:regular r:id="rId12"/>
+      <p:italic r:id="rId13"/>
     </p:embeddedFont>
     <p:embeddedFont>
       <p:font typeface="-윤고딕330" panose="02030504000101010101" pitchFamily="18" charset="-127"/>
-      <p:regular r:id="rId13"/>
+      <p:regular r:id="rId14"/>
+    </p:embeddedFont>
+    <p:embeddedFont>
+      <p:font typeface="배달의민족 주아" panose="020B0600000101010101" charset="-127"/>
+      <p:regular r:id="rId15"/>
     </p:embeddedFont>
     <p:embeddedFont>
       <p:font typeface="맑은 고딕" panose="020B0503020000020004" pitchFamily="50" charset="-127"/>
-      <p:regular r:id="rId14"/>
-      <p:bold r:id="rId15"/>
+      <p:regular r:id="rId16"/>
+      <p:bold r:id="rId17"/>
     </p:embeddedFont>
     <p:embeddedFont>
-      <p:font typeface="BigNoodleTitling" panose="020B0600000101010101" charset="0"/>
-      <p:regular r:id="rId16"/>
-      <p:italic r:id="rId17"/>
+      <p:font typeface="KoPub돋움체 Bold" panose="02020603020101020101" pitchFamily="18" charset="-127"/>
+      <p:regular r:id="rId18"/>
     </p:embeddedFont>
     <p:embeddedFont>
       <p:font typeface="KoPub돋움체 Medium" panose="02020603020101020101" pitchFamily="18" charset="-127"/>
-      <p:regular r:id="rId18"/>
-    </p:embeddedFont>
-    <p:embeddedFont>
-      <p:font typeface="배달의민족 주아" panose="020B0600000101010101" charset="-127"/>
       <p:regular r:id="rId19"/>
     </p:embeddedFont>
   </p:embeddedFontLst>
@@ -156,10 +156,10 @@
             <p14:sldId id="355"/>
             <p14:sldId id="364"/>
             <p14:sldId id="367"/>
-            <p14:sldId id="370"/>
             <p14:sldId id="365"/>
             <p14:sldId id="369"/>
             <p14:sldId id="366"/>
+            <p14:sldId id="370"/>
             <p14:sldId id="328"/>
           </p14:sldIdLst>
         </p14:section>
@@ -8296,7 +8296,7 @@
           <p:spPr>
             <a:xfrm>
               <a:off x="996292" y="19985"/>
-              <a:ext cx="609141" cy="307777"/>
+              <a:ext cx="1558760" cy="307777"/>
             </a:xfrm>
             <a:prstGeom prst="rect">
               <a:avLst/>
@@ -8335,7 +8335,73 @@
                   <a:latin typeface="KoPub돋움체 Bold" panose="02020603020101020101" pitchFamily="18" charset="-127"/>
                   <a:ea typeface="KoPub돋움체 Bold" panose="02020603020101020101" pitchFamily="18" charset="-127"/>
                 </a:rPr>
-                <a:t>데모 시연</a:t>
+                <a:t>프로젝</a:t>
+              </a:r>
+              <a:r>
+                <a:rPr lang="ko-KR" altLang="en-US" sz="1400" b="0" spc="-110" dirty="0">
+                  <a:solidFill>
+                    <a:srgbClr val="002060"/>
+                  </a:solidFill>
+                  <a:effectLst/>
+                  <a:latin typeface="KoPub돋움체 Bold" panose="02020603020101020101" pitchFamily="18" charset="-127"/>
+                  <a:ea typeface="KoPub돋움체 Bold" panose="02020603020101020101" pitchFamily="18" charset="-127"/>
+                </a:rPr>
+                <a:t>트</a:t>
+              </a:r>
+              <a:r>
+                <a:rPr lang="ko-KR" altLang="en-US" sz="1400" b="0" spc="-110" dirty="0" smtClean="0">
+                  <a:solidFill>
+                    <a:srgbClr val="002060"/>
+                  </a:solidFill>
+                  <a:effectLst/>
+                  <a:latin typeface="KoPub돋움체 Bold" panose="02020603020101020101" pitchFamily="18" charset="-127"/>
+                  <a:ea typeface="KoPub돋움체 Bold" panose="02020603020101020101" pitchFamily="18" charset="-127"/>
+                </a:rPr>
+                <a:t> 관리 </a:t>
+              </a:r>
+              <a:r>
+                <a:rPr lang="en-US" altLang="ko-KR" sz="1400" b="0" spc="-110" dirty="0" smtClean="0">
+                  <a:solidFill>
+                    <a:srgbClr val="002060"/>
+                  </a:solidFill>
+                  <a:effectLst/>
+                  <a:latin typeface="KoPub돋움체 Bold" panose="02020603020101020101" pitchFamily="18" charset="-127"/>
+                  <a:ea typeface="KoPub돋움체 Bold" panose="02020603020101020101" pitchFamily="18" charset="-127"/>
+                </a:rPr>
+                <a:t>– </a:t>
+              </a:r>
+              <a:r>
+                <a:rPr lang="en-US" altLang="ko-KR" sz="1400" b="0" spc="-110" dirty="0" err="1" smtClean="0">
+                  <a:solidFill>
+                    <a:srgbClr val="002060"/>
+                  </a:solidFill>
+                  <a:effectLst/>
+                  <a:latin typeface="KoPub돋움체 Bold" panose="02020603020101020101" pitchFamily="18" charset="-127"/>
+                  <a:ea typeface="KoPub돋움체 Bold" panose="02020603020101020101" pitchFamily="18" charset="-127"/>
+                </a:rPr>
+                <a:t>Git</a:t>
+              </a:r>
+              <a:r>
+                <a:rPr lang="en-US" altLang="ko-KR" sz="1400" b="0" spc="-110" dirty="0">
+                  <a:solidFill>
+                    <a:srgbClr val="002060"/>
+                  </a:solidFill>
+                  <a:effectLst/>
+                  <a:latin typeface="KoPub돋움체 Bold" panose="02020603020101020101" pitchFamily="18" charset="-127"/>
+                  <a:ea typeface="KoPub돋움체 Bold" panose="02020603020101020101" pitchFamily="18" charset="-127"/>
+                </a:rPr>
+                <a:t> </a:t>
+              </a:r>
+              <a:r>
+                <a:rPr lang="en-US" altLang="ko-KR" sz="1400" b="0" spc="-110" dirty="0" smtClean="0">
+                  <a:solidFill>
+                    <a:srgbClr val="002060"/>
+                  </a:solidFill>
+                  <a:effectLst/>
+                  <a:latin typeface="KoPub돋움체 Bold" panose="02020603020101020101" pitchFamily="18" charset="-127"/>
+                  <a:ea typeface="KoPub돋움체 Bold" panose="02020603020101020101" pitchFamily="18" charset="-127"/>
+                </a:rPr>
+                <a:t>Hub</a:t>
               </a:r>
               <a:endParaRPr lang="ko-KR" altLang="en-US" sz="1400" b="0" spc="-110" dirty="0">
                 <a:solidFill>
@@ -8351,16 +8417,14 @@
       </p:grpSp>
       <p:pic>
         <p:nvPicPr>
-          <p:cNvPr id="3074" name="Picture 2" descr="C:\Users\최선호\Desktop\캡처1.JPG">
-            <a:hlinkClick r:id="rId3" action="ppaction://hlinkfile"/>
-          </p:cNvPr>
+          <p:cNvPr id="1026" name="Picture 2" descr="C:\Users\최선호\Desktop\KakaoTalk_20161123_194210626.png"/>
           <p:cNvPicPr>
             <a:picLocks noChangeAspect="1" noChangeArrowheads="1"/>
           </p:cNvPicPr>
           <p:nvPr/>
         </p:nvPicPr>
         <p:blipFill>
-          <a:blip r:embed="rId4">
+          <a:blip r:embed="rId3">
             <a:extLst>
               <a:ext uri="{28A0092B-C50C-407E-A947-70E740481C1C}">
                 <a14:useLocalDpi xmlns:a14="http://schemas.microsoft.com/office/drawing/2010/main" val="0"/>
@@ -8374,8 +8438,8 @@
         </p:blipFill>
         <p:spPr bwMode="auto">
           <a:xfrm>
-            <a:off x="342575" y="746490"/>
-            <a:ext cx="6547890" cy="4285570"/>
+            <a:off x="883398" y="729070"/>
+            <a:ext cx="10425201" cy="5926372"/>
           </a:xfrm>
           <a:prstGeom prst="rect">
             <a:avLst/>
@@ -8397,90 +8461,10 @@
           </a:extLst>
         </p:spPr>
       </p:pic>
-      <p:pic>
-        <p:nvPicPr>
-          <p:cNvPr id="3075" name="Picture 3" descr="C:\Users\최선호\Desktop\캡처2.JPG"/>
-          <p:cNvPicPr>
-            <a:picLocks noChangeAspect="1" noChangeArrowheads="1"/>
-          </p:cNvPicPr>
-          <p:nvPr/>
-        </p:nvPicPr>
-        <p:blipFill>
-          <a:blip r:embed="rId5">
-            <a:extLst>
-              <a:ext uri="{28A0092B-C50C-407E-A947-70E740481C1C}">
-                <a14:useLocalDpi xmlns:a14="http://schemas.microsoft.com/office/drawing/2010/main" val="0"/>
-              </a:ext>
-            </a:extLst>
-          </a:blip>
-          <a:srcRect/>
-          <a:stretch>
-            <a:fillRect/>
-          </a:stretch>
-        </p:blipFill>
-        <p:spPr bwMode="auto">
-          <a:xfrm>
-            <a:off x="5053043" y="1969360"/>
-            <a:ext cx="6796087" cy="4595813"/>
-          </a:xfrm>
-          <a:prstGeom prst="rect">
-            <a:avLst/>
-          </a:prstGeom>
-          <a:noFill/>
-          <a:ln w="19050">
-            <a:solidFill>
-              <a:schemeClr val="tx1"/>
-            </a:solidFill>
-          </a:ln>
-          <a:extLst>
-            <a:ext uri="{909E8E84-426E-40DD-AFC4-6F175D3DCCD1}">
-              <a14:hiddenFill xmlns:a14="http://schemas.microsoft.com/office/drawing/2010/main">
-                <a:solidFill>
-                  <a:srgbClr val="FFFFFF"/>
-                </a:solidFill>
-              </a14:hiddenFill>
-            </a:ext>
-          </a:extLst>
-        </p:spPr>
-      </p:pic>
-      <p:sp>
-        <p:nvSpPr>
-          <p:cNvPr id="3" name="TextBox 2">
-            <a:hlinkClick r:id="rId3" action="ppaction://hlinkfile"/>
-          </p:cNvPr>
-          <p:cNvSpPr txBox="1"/>
-          <p:nvPr/>
-        </p:nvSpPr>
-        <p:spPr>
-          <a:xfrm>
-            <a:off x="996292" y="5512777"/>
-            <a:ext cx="2758023" cy="369332"/>
-          </a:xfrm>
-          <a:prstGeom prst="rect">
-            <a:avLst/>
-          </a:prstGeom>
-          <a:noFill/>
-        </p:spPr>
-        <p:txBody>
-          <a:bodyPr wrap="square" rtlCol="0">
-            <a:spAutoFit/>
-          </a:bodyPr>
-          <a:lstStyle/>
-          <a:p>
-            <a:r>
-              <a:rPr lang="ko-KR" altLang="en-US" dirty="0" smtClean="0">
-                <a:hlinkClick r:id="rId6"/>
-              </a:rPr>
-              <a:t>데모</a:t>
-            </a:r>
-            <a:endParaRPr lang="en-US" altLang="ko-KR" dirty="0" smtClean="0"/>
-          </a:p>
-        </p:txBody>
-      </p:sp>
     </p:spTree>
     <p:extLst>
       <p:ext uri="{BB962C8B-B14F-4D97-AF65-F5344CB8AC3E}">
-        <p14:creationId xmlns:p14="http://schemas.microsoft.com/office/powerpoint/2010/main" val="1154036261"/>
+        <p14:creationId xmlns:p14="http://schemas.microsoft.com/office/powerpoint/2010/main" val="2481127598"/>
       </p:ext>
     </p:extLst>
   </p:cSld>
@@ -8793,366 +8777,6 @@
       </p:grpSp>
       <p:pic>
         <p:nvPicPr>
-          <p:cNvPr id="1026" name="Picture 2" descr="C:\Users\최선호\Desktop\KakaoTalk_20161123_194210626.png"/>
-          <p:cNvPicPr>
-            <a:picLocks noChangeAspect="1" noChangeArrowheads="1"/>
-          </p:cNvPicPr>
-          <p:nvPr/>
-        </p:nvPicPr>
-        <p:blipFill>
-          <a:blip r:embed="rId3">
-            <a:extLst>
-              <a:ext uri="{28A0092B-C50C-407E-A947-70E740481C1C}">
-                <a14:useLocalDpi xmlns:a14="http://schemas.microsoft.com/office/drawing/2010/main" val="0"/>
-              </a:ext>
-            </a:extLst>
-          </a:blip>
-          <a:srcRect/>
-          <a:stretch>
-            <a:fillRect/>
-          </a:stretch>
-        </p:blipFill>
-        <p:spPr bwMode="auto">
-          <a:xfrm>
-            <a:off x="883398" y="729070"/>
-            <a:ext cx="10425201" cy="5926372"/>
-          </a:xfrm>
-          <a:prstGeom prst="rect">
-            <a:avLst/>
-          </a:prstGeom>
-          <a:noFill/>
-          <a:ln w="19050">
-            <a:solidFill>
-              <a:schemeClr val="tx1"/>
-            </a:solidFill>
-          </a:ln>
-          <a:extLst>
-            <a:ext uri="{909E8E84-426E-40DD-AFC4-6F175D3DCCD1}">
-              <a14:hiddenFill xmlns:a14="http://schemas.microsoft.com/office/drawing/2010/main">
-                <a:solidFill>
-                  <a:srgbClr val="FFFFFF"/>
-                </a:solidFill>
-              </a14:hiddenFill>
-            </a:ext>
-          </a:extLst>
-        </p:spPr>
-      </p:pic>
-    </p:spTree>
-    <p:extLst>
-      <p:ext uri="{BB962C8B-B14F-4D97-AF65-F5344CB8AC3E}">
-        <p14:creationId xmlns:p14="http://schemas.microsoft.com/office/powerpoint/2010/main" val="2481127598"/>
-      </p:ext>
-    </p:extLst>
-  </p:cSld>
-  <p:clrMapOvr>
-    <a:masterClrMapping/>
-  </p:clrMapOvr>
-  <p:timing>
-    <p:tnLst>
-      <p:par>
-        <p:cTn id="1" dur="indefinite" restart="never" nodeType="tmRoot"/>
-      </p:par>
-    </p:tnLst>
-  </p:timing>
-</p:sld>
-</file>
-
-<file path=ppt/slides/slide7.xml><?xml version="1.0" encoding="utf-8"?>
-<p:sld xmlns:a="http://schemas.openxmlformats.org/drawingml/2006/main" xmlns:r="http://schemas.openxmlformats.org/officeDocument/2006/relationships" xmlns:p="http://schemas.openxmlformats.org/presentationml/2006/main">
-  <p:cSld>
-    <p:spTree>
-      <p:nvGrpSpPr>
-        <p:cNvPr id="1" name=""/>
-        <p:cNvGrpSpPr/>
-        <p:nvPr/>
-      </p:nvGrpSpPr>
-      <p:grpSpPr>
-        <a:xfrm>
-          <a:off x="0" y="0"/>
-          <a:ext cx="0" cy="0"/>
-          <a:chOff x="0" y="0"/>
-          <a:chExt cx="0" cy="0"/>
-        </a:xfrm>
-      </p:grpSpPr>
-      <p:grpSp>
-        <p:nvGrpSpPr>
-          <p:cNvPr id="52" name="그룹 51"/>
-          <p:cNvGrpSpPr/>
-          <p:nvPr/>
-        </p:nvGrpSpPr>
-        <p:grpSpPr>
-          <a:xfrm>
-            <a:off x="0" y="-13482"/>
-            <a:ext cx="12680042" cy="400110"/>
-            <a:chOff x="0" y="-26182"/>
-            <a:chExt cx="12680042" cy="400110"/>
-          </a:xfrm>
-        </p:grpSpPr>
-        <p:sp>
-          <p:nvSpPr>
-            <p:cNvPr id="53" name="직사각형 52"/>
-            <p:cNvSpPr/>
-            <p:nvPr/>
-          </p:nvSpPr>
-          <p:spPr>
-            <a:xfrm>
-              <a:off x="0" y="-6827"/>
-              <a:ext cx="12192000" cy="361401"/>
-            </a:xfrm>
-            <a:prstGeom prst="rect">
-              <a:avLst/>
-            </a:prstGeom>
-            <a:solidFill>
-              <a:srgbClr val="002060"/>
-            </a:solidFill>
-            <a:ln>
-              <a:noFill/>
-            </a:ln>
-          </p:spPr>
-          <p:style>
-            <a:lnRef idx="2">
-              <a:schemeClr val="accent1">
-                <a:shade val="50000"/>
-              </a:schemeClr>
-            </a:lnRef>
-            <a:fillRef idx="1">
-              <a:schemeClr val="accent1"/>
-            </a:fillRef>
-            <a:effectRef idx="0">
-              <a:schemeClr val="accent1"/>
-            </a:effectRef>
-            <a:fontRef idx="minor">
-              <a:schemeClr val="lt1"/>
-            </a:fontRef>
-          </p:style>
-          <p:txBody>
-            <a:bodyPr rtlCol="0" anchor="ctr"/>
-            <a:lstStyle/>
-            <a:p>
-              <a:pPr algn="ctr"/>
-              <a:endParaRPr lang="ko-KR" altLang="en-US"/>
-            </a:p>
-          </p:txBody>
-        </p:sp>
-        <p:sp>
-          <p:nvSpPr>
-            <p:cNvPr id="54" name="직사각형 53"/>
-            <p:cNvSpPr/>
-            <p:nvPr/>
-          </p:nvSpPr>
-          <p:spPr>
-            <a:xfrm>
-              <a:off x="105972" y="-26182"/>
-              <a:ext cx="473206" cy="400110"/>
-            </a:xfrm>
-            <a:prstGeom prst="rect">
-              <a:avLst/>
-            </a:prstGeom>
-          </p:spPr>
-          <p:txBody>
-            <a:bodyPr wrap="none">
-              <a:spAutoFit/>
-            </a:bodyPr>
-            <a:lstStyle/>
-            <a:p>
-              <a:r>
-                <a:rPr lang="en-US" altLang="ko-KR" sz="2000" b="1" dirty="0" smtClean="0">
-                  <a:solidFill>
-                    <a:schemeClr val="bg1"/>
-                  </a:solidFill>
-                  <a:latin typeface="KoPub돋움체 Bold" panose="02020603020101020101" pitchFamily="18" charset="-127"/>
-                  <a:ea typeface="KoPub돋움체 Bold" panose="02020603020101020101" pitchFamily="18" charset="-127"/>
-                </a:rPr>
-                <a:t>03</a:t>
-              </a:r>
-              <a:endParaRPr lang="ko-KR" altLang="en-US" sz="2000" b="1" dirty="0">
-                <a:solidFill>
-                  <a:schemeClr val="bg1"/>
-                </a:solidFill>
-                <a:latin typeface="KoPub돋움체 Bold" panose="02020603020101020101" pitchFamily="18" charset="-127"/>
-                <a:ea typeface="KoPub돋움체 Bold" panose="02020603020101020101" pitchFamily="18" charset="-127"/>
-              </a:endParaRPr>
-            </a:p>
-          </p:txBody>
-        </p:sp>
-        <p:sp>
-          <p:nvSpPr>
-            <p:cNvPr id="55" name="평행 사변형 54"/>
-            <p:cNvSpPr/>
-            <p:nvPr/>
-          </p:nvSpPr>
-          <p:spPr>
-            <a:xfrm flipV="1">
-              <a:off x="572766" y="-6127"/>
-              <a:ext cx="12107276" cy="360000"/>
-            </a:xfrm>
-            <a:prstGeom prst="parallelogram">
-              <a:avLst>
-                <a:gd name="adj" fmla="val 101865"/>
-              </a:avLst>
-            </a:prstGeom>
-            <a:solidFill>
-              <a:srgbClr val="D9D9D9"/>
-            </a:solidFill>
-            <a:ln>
-              <a:noFill/>
-            </a:ln>
-          </p:spPr>
-          <p:style>
-            <a:lnRef idx="2">
-              <a:schemeClr val="accent1">
-                <a:shade val="50000"/>
-              </a:schemeClr>
-            </a:lnRef>
-            <a:fillRef idx="1">
-              <a:schemeClr val="accent1"/>
-            </a:fillRef>
-            <a:effectRef idx="0">
-              <a:schemeClr val="accent1"/>
-            </a:effectRef>
-            <a:fontRef idx="minor">
-              <a:schemeClr val="lt1"/>
-            </a:fontRef>
-          </p:style>
-          <p:txBody>
-            <a:bodyPr rtlCol="0" anchor="ctr"/>
-            <a:lstStyle/>
-            <a:p>
-              <a:pPr algn="ctr"/>
-              <a:endParaRPr lang="ko-KR" altLang="en-US"/>
-            </a:p>
-          </p:txBody>
-        </p:sp>
-        <p:sp>
-          <p:nvSpPr>
-            <p:cNvPr id="56" name="TextBox 55"/>
-            <p:cNvSpPr txBox="1"/>
-            <p:nvPr/>
-          </p:nvSpPr>
-          <p:spPr>
-            <a:xfrm>
-              <a:off x="996292" y="19985"/>
-              <a:ext cx="1558760" cy="307777"/>
-            </a:xfrm>
-            <a:prstGeom prst="rect">
-              <a:avLst/>
-            </a:prstGeom>
-            <a:noFill/>
-          </p:spPr>
-          <p:txBody>
-            <a:bodyPr wrap="none" lIns="0" rIns="0" rtlCol="0">
-              <a:spAutoFit/>
-            </a:bodyPr>
-            <a:lstStyle>
-              <a:defPPr>
-                <a:defRPr lang="en-US"/>
-              </a:defPPr>
-              <a:lvl1pPr>
-                <a:defRPr sz="4800" b="1" spc="300">
-                  <a:effectLst>
-                    <a:outerShdw blurRad="50800" dist="38100" dir="2700000" algn="tl" rotWithShape="0">
-                      <a:prstClr val="black">
-                        <a:alpha val="40000"/>
-                      </a:prstClr>
-                    </a:outerShdw>
-                  </a:effectLst>
-                  <a:latin typeface="HY헤드라인M" panose="02030600000101010101" pitchFamily="18" charset="-127"/>
-                  <a:ea typeface="HY헤드라인M" panose="02030600000101010101" pitchFamily="18" charset="-127"/>
-                </a:defRPr>
-              </a:lvl1pPr>
-            </a:lstStyle>
-            <a:p>
-              <a:r>
-                <a:rPr lang="ko-KR" altLang="en-US" sz="1400" b="0" spc="-110" dirty="0" smtClean="0">
-                  <a:solidFill>
-                    <a:srgbClr val="002060"/>
-                  </a:solidFill>
-                  <a:effectLst/>
-                  <a:latin typeface="KoPub돋움체 Bold" panose="02020603020101020101" pitchFamily="18" charset="-127"/>
-                  <a:ea typeface="KoPub돋움체 Bold" panose="02020603020101020101" pitchFamily="18" charset="-127"/>
-                </a:rPr>
-                <a:t>프로젝</a:t>
-              </a:r>
-              <a:r>
-                <a:rPr lang="ko-KR" altLang="en-US" sz="1400" b="0" spc="-110" dirty="0">
-                  <a:solidFill>
-                    <a:srgbClr val="002060"/>
-                  </a:solidFill>
-                  <a:effectLst/>
-                  <a:latin typeface="KoPub돋움체 Bold" panose="02020603020101020101" pitchFamily="18" charset="-127"/>
-                  <a:ea typeface="KoPub돋움체 Bold" panose="02020603020101020101" pitchFamily="18" charset="-127"/>
-                </a:rPr>
-                <a:t>트</a:t>
-              </a:r>
-              <a:r>
-                <a:rPr lang="ko-KR" altLang="en-US" sz="1400" b="0" spc="-110" dirty="0" smtClean="0">
-                  <a:solidFill>
-                    <a:srgbClr val="002060"/>
-                  </a:solidFill>
-                  <a:effectLst/>
-                  <a:latin typeface="KoPub돋움체 Bold" panose="02020603020101020101" pitchFamily="18" charset="-127"/>
-                  <a:ea typeface="KoPub돋움체 Bold" panose="02020603020101020101" pitchFamily="18" charset="-127"/>
-                </a:rPr>
-                <a:t> 관리 </a:t>
-              </a:r>
-              <a:r>
-                <a:rPr lang="en-US" altLang="ko-KR" sz="1400" b="0" spc="-110" dirty="0" smtClean="0">
-                  <a:solidFill>
-                    <a:srgbClr val="002060"/>
-                  </a:solidFill>
-                  <a:effectLst/>
-                  <a:latin typeface="KoPub돋움체 Bold" panose="02020603020101020101" pitchFamily="18" charset="-127"/>
-                  <a:ea typeface="KoPub돋움체 Bold" panose="02020603020101020101" pitchFamily="18" charset="-127"/>
-                </a:rPr>
-                <a:t>– </a:t>
-              </a:r>
-              <a:r>
-                <a:rPr lang="en-US" altLang="ko-KR" sz="1400" b="0" spc="-110" dirty="0" err="1" smtClean="0">
-                  <a:solidFill>
-                    <a:srgbClr val="002060"/>
-                  </a:solidFill>
-                  <a:effectLst/>
-                  <a:latin typeface="KoPub돋움체 Bold" panose="02020603020101020101" pitchFamily="18" charset="-127"/>
-                  <a:ea typeface="KoPub돋움체 Bold" panose="02020603020101020101" pitchFamily="18" charset="-127"/>
-                </a:rPr>
-                <a:t>Git</a:t>
-              </a:r>
-              <a:r>
-                <a:rPr lang="en-US" altLang="ko-KR" sz="1400" b="0" spc="-110" dirty="0">
-                  <a:solidFill>
-                    <a:srgbClr val="002060"/>
-                  </a:solidFill>
-                  <a:effectLst/>
-                  <a:latin typeface="KoPub돋움체 Bold" panose="02020603020101020101" pitchFamily="18" charset="-127"/>
-                  <a:ea typeface="KoPub돋움체 Bold" panose="02020603020101020101" pitchFamily="18" charset="-127"/>
-                </a:rPr>
-                <a:t> </a:t>
-              </a:r>
-              <a:r>
-                <a:rPr lang="en-US" altLang="ko-KR" sz="1400" b="0" spc="-110" dirty="0" smtClean="0">
-                  <a:solidFill>
-                    <a:srgbClr val="002060"/>
-                  </a:solidFill>
-                  <a:effectLst/>
-                  <a:latin typeface="KoPub돋움체 Bold" panose="02020603020101020101" pitchFamily="18" charset="-127"/>
-                  <a:ea typeface="KoPub돋움체 Bold" panose="02020603020101020101" pitchFamily="18" charset="-127"/>
-                </a:rPr>
-                <a:t>Hub</a:t>
-              </a:r>
-              <a:endParaRPr lang="ko-KR" altLang="en-US" sz="1400" b="0" spc="-110" dirty="0">
-                <a:solidFill>
-                  <a:srgbClr val="002060"/>
-                </a:solidFill>
-                <a:effectLst/>
-                <a:latin typeface="KoPub돋움체 Bold" panose="02020603020101020101" pitchFamily="18" charset="-127"/>
-                <a:ea typeface="KoPub돋움체 Bold" panose="02020603020101020101" pitchFamily="18" charset="-127"/>
-              </a:endParaRPr>
-            </a:p>
-          </p:txBody>
-        </p:sp>
-      </p:grpSp>
-      <p:pic>
-        <p:nvPicPr>
           <p:cNvPr id="2050" name="Picture 2" descr="C:\Users\최선호\Desktop\KakaoTalk_20161123_195253714.png"/>
           <p:cNvPicPr>
             <a:picLocks noChangeAspect="1" noChangeArrowheads="1"/>
@@ -9263,7 +8887,7 @@
 </p:sld>
 </file>
 
-<file path=ppt/slides/slide8.xml><?xml version="1.0" encoding="utf-8"?>
+<file path=ppt/slides/slide7.xml><?xml version="1.0" encoding="utf-8"?>
 <p:sld xmlns:a="http://schemas.openxmlformats.org/drawingml/2006/main" xmlns:r="http://schemas.openxmlformats.org/officeDocument/2006/relationships" xmlns:p="http://schemas.openxmlformats.org/presentationml/2006/main">
   <p:cSld>
     <p:spTree>
@@ -9563,6 +9187,382 @@
     <p:extLst>
       <p:ext uri="{BB962C8B-B14F-4D97-AF65-F5344CB8AC3E}">
         <p14:creationId xmlns:p14="http://schemas.microsoft.com/office/powerpoint/2010/main" val="3898753228"/>
+      </p:ext>
+    </p:extLst>
+  </p:cSld>
+  <p:clrMapOvr>
+    <a:masterClrMapping/>
+  </p:clrMapOvr>
+  <p:timing>
+    <p:tnLst>
+      <p:par>
+        <p:cTn id="1" dur="indefinite" restart="never" nodeType="tmRoot"/>
+      </p:par>
+    </p:tnLst>
+  </p:timing>
+</p:sld>
+</file>
+
+<file path=ppt/slides/slide8.xml><?xml version="1.0" encoding="utf-8"?>
+<p:sld xmlns:a="http://schemas.openxmlformats.org/drawingml/2006/main" xmlns:r="http://schemas.openxmlformats.org/officeDocument/2006/relationships" xmlns:p="http://schemas.openxmlformats.org/presentationml/2006/main">
+  <p:cSld>
+    <p:spTree>
+      <p:nvGrpSpPr>
+        <p:cNvPr id="1" name=""/>
+        <p:cNvGrpSpPr/>
+        <p:nvPr/>
+      </p:nvGrpSpPr>
+      <p:grpSpPr>
+        <a:xfrm>
+          <a:off x="0" y="0"/>
+          <a:ext cx="0" cy="0"/>
+          <a:chOff x="0" y="0"/>
+          <a:chExt cx="0" cy="0"/>
+        </a:xfrm>
+      </p:grpSpPr>
+      <p:grpSp>
+        <p:nvGrpSpPr>
+          <p:cNvPr id="52" name="그룹 51"/>
+          <p:cNvGrpSpPr/>
+          <p:nvPr/>
+        </p:nvGrpSpPr>
+        <p:grpSpPr>
+          <a:xfrm>
+            <a:off x="0" y="-13482"/>
+            <a:ext cx="12680042" cy="400110"/>
+            <a:chOff x="0" y="-26182"/>
+            <a:chExt cx="12680042" cy="400110"/>
+          </a:xfrm>
+        </p:grpSpPr>
+        <p:sp>
+          <p:nvSpPr>
+            <p:cNvPr id="53" name="직사각형 52"/>
+            <p:cNvSpPr/>
+            <p:nvPr/>
+          </p:nvSpPr>
+          <p:spPr>
+            <a:xfrm>
+              <a:off x="0" y="-6827"/>
+              <a:ext cx="12192000" cy="361401"/>
+            </a:xfrm>
+            <a:prstGeom prst="rect">
+              <a:avLst/>
+            </a:prstGeom>
+            <a:solidFill>
+              <a:srgbClr val="002060"/>
+            </a:solidFill>
+            <a:ln>
+              <a:noFill/>
+            </a:ln>
+          </p:spPr>
+          <p:style>
+            <a:lnRef idx="2">
+              <a:schemeClr val="accent1">
+                <a:shade val="50000"/>
+              </a:schemeClr>
+            </a:lnRef>
+            <a:fillRef idx="1">
+              <a:schemeClr val="accent1"/>
+            </a:fillRef>
+            <a:effectRef idx="0">
+              <a:schemeClr val="accent1"/>
+            </a:effectRef>
+            <a:fontRef idx="minor">
+              <a:schemeClr val="lt1"/>
+            </a:fontRef>
+          </p:style>
+          <p:txBody>
+            <a:bodyPr rtlCol="0" anchor="ctr"/>
+            <a:lstStyle/>
+            <a:p>
+              <a:pPr algn="ctr"/>
+              <a:endParaRPr lang="ko-KR" altLang="en-US"/>
+            </a:p>
+          </p:txBody>
+        </p:sp>
+        <p:sp>
+          <p:nvSpPr>
+            <p:cNvPr id="54" name="직사각형 53"/>
+            <p:cNvSpPr/>
+            <p:nvPr/>
+          </p:nvSpPr>
+          <p:spPr>
+            <a:xfrm>
+              <a:off x="105972" y="-26182"/>
+              <a:ext cx="473206" cy="400110"/>
+            </a:xfrm>
+            <a:prstGeom prst="rect">
+              <a:avLst/>
+            </a:prstGeom>
+          </p:spPr>
+          <p:txBody>
+            <a:bodyPr wrap="none">
+              <a:spAutoFit/>
+            </a:bodyPr>
+            <a:lstStyle/>
+            <a:p>
+              <a:r>
+                <a:rPr lang="en-US" altLang="ko-KR" sz="2000" b="1" dirty="0" smtClean="0">
+                  <a:solidFill>
+                    <a:schemeClr val="bg1"/>
+                  </a:solidFill>
+                  <a:latin typeface="KoPub돋움체 Bold" panose="02020603020101020101" pitchFamily="18" charset="-127"/>
+                  <a:ea typeface="KoPub돋움체 Bold" panose="02020603020101020101" pitchFamily="18" charset="-127"/>
+                </a:rPr>
+                <a:t>03</a:t>
+              </a:r>
+              <a:endParaRPr lang="ko-KR" altLang="en-US" sz="2000" b="1" dirty="0">
+                <a:solidFill>
+                  <a:schemeClr val="bg1"/>
+                </a:solidFill>
+                <a:latin typeface="KoPub돋움체 Bold" panose="02020603020101020101" pitchFamily="18" charset="-127"/>
+                <a:ea typeface="KoPub돋움체 Bold" panose="02020603020101020101" pitchFamily="18" charset="-127"/>
+              </a:endParaRPr>
+            </a:p>
+          </p:txBody>
+        </p:sp>
+        <p:sp>
+          <p:nvSpPr>
+            <p:cNvPr id="55" name="평행 사변형 54"/>
+            <p:cNvSpPr/>
+            <p:nvPr/>
+          </p:nvSpPr>
+          <p:spPr>
+            <a:xfrm flipV="1">
+              <a:off x="572766" y="-6127"/>
+              <a:ext cx="12107276" cy="360000"/>
+            </a:xfrm>
+            <a:prstGeom prst="parallelogram">
+              <a:avLst>
+                <a:gd name="adj" fmla="val 101865"/>
+              </a:avLst>
+            </a:prstGeom>
+            <a:solidFill>
+              <a:srgbClr val="D9D9D9"/>
+            </a:solidFill>
+            <a:ln>
+              <a:noFill/>
+            </a:ln>
+          </p:spPr>
+          <p:style>
+            <a:lnRef idx="2">
+              <a:schemeClr val="accent1">
+                <a:shade val="50000"/>
+              </a:schemeClr>
+            </a:lnRef>
+            <a:fillRef idx="1">
+              <a:schemeClr val="accent1"/>
+            </a:fillRef>
+            <a:effectRef idx="0">
+              <a:schemeClr val="accent1"/>
+            </a:effectRef>
+            <a:fontRef idx="minor">
+              <a:schemeClr val="lt1"/>
+            </a:fontRef>
+          </p:style>
+          <p:txBody>
+            <a:bodyPr rtlCol="0" anchor="ctr"/>
+            <a:lstStyle/>
+            <a:p>
+              <a:pPr algn="ctr"/>
+              <a:endParaRPr lang="ko-KR" altLang="en-US"/>
+            </a:p>
+          </p:txBody>
+        </p:sp>
+        <p:sp>
+          <p:nvSpPr>
+            <p:cNvPr id="56" name="TextBox 55"/>
+            <p:cNvSpPr txBox="1"/>
+            <p:nvPr/>
+          </p:nvSpPr>
+          <p:spPr>
+            <a:xfrm>
+              <a:off x="996292" y="19985"/>
+              <a:ext cx="609141" cy="307777"/>
+            </a:xfrm>
+            <a:prstGeom prst="rect">
+              <a:avLst/>
+            </a:prstGeom>
+            <a:noFill/>
+          </p:spPr>
+          <p:txBody>
+            <a:bodyPr wrap="none" lIns="0" rIns="0" rtlCol="0">
+              <a:spAutoFit/>
+            </a:bodyPr>
+            <a:lstStyle>
+              <a:defPPr>
+                <a:defRPr lang="en-US"/>
+              </a:defPPr>
+              <a:lvl1pPr>
+                <a:defRPr sz="4800" b="1" spc="300">
+                  <a:effectLst>
+                    <a:outerShdw blurRad="50800" dist="38100" dir="2700000" algn="tl" rotWithShape="0">
+                      <a:prstClr val="black">
+                        <a:alpha val="40000"/>
+                      </a:prstClr>
+                    </a:outerShdw>
+                  </a:effectLst>
+                  <a:latin typeface="HY헤드라인M" panose="02030600000101010101" pitchFamily="18" charset="-127"/>
+                  <a:ea typeface="HY헤드라인M" panose="02030600000101010101" pitchFamily="18" charset="-127"/>
+                </a:defRPr>
+              </a:lvl1pPr>
+            </a:lstStyle>
+            <a:p>
+              <a:r>
+                <a:rPr lang="ko-KR" altLang="en-US" sz="1400" b="0" spc="-110" dirty="0" smtClean="0">
+                  <a:solidFill>
+                    <a:srgbClr val="002060"/>
+                  </a:solidFill>
+                  <a:effectLst/>
+                  <a:latin typeface="KoPub돋움체 Bold" panose="02020603020101020101" pitchFamily="18" charset="-127"/>
+                  <a:ea typeface="KoPub돋움체 Bold" panose="02020603020101020101" pitchFamily="18" charset="-127"/>
+                </a:rPr>
+                <a:t>데모 시연</a:t>
+              </a:r>
+              <a:endParaRPr lang="ko-KR" altLang="en-US" sz="1400" b="0" spc="-110" dirty="0">
+                <a:solidFill>
+                  <a:srgbClr val="002060"/>
+                </a:solidFill>
+                <a:effectLst/>
+                <a:latin typeface="KoPub돋움체 Bold" panose="02020603020101020101" pitchFamily="18" charset="-127"/>
+                <a:ea typeface="KoPub돋움체 Bold" panose="02020603020101020101" pitchFamily="18" charset="-127"/>
+              </a:endParaRPr>
+            </a:p>
+          </p:txBody>
+        </p:sp>
+      </p:grpSp>
+      <p:pic>
+        <p:nvPicPr>
+          <p:cNvPr id="3074" name="Picture 2" descr="C:\Users\최선호\Desktop\캡처1.JPG">
+            <a:hlinkClick r:id="rId3" action="ppaction://hlinkfile"/>
+          </p:cNvPr>
+          <p:cNvPicPr>
+            <a:picLocks noChangeAspect="1" noChangeArrowheads="1"/>
+          </p:cNvPicPr>
+          <p:nvPr/>
+        </p:nvPicPr>
+        <p:blipFill>
+          <a:blip r:embed="rId4">
+            <a:extLst>
+              <a:ext uri="{28A0092B-C50C-407E-A947-70E740481C1C}">
+                <a14:useLocalDpi xmlns:a14="http://schemas.microsoft.com/office/drawing/2010/main" val="0"/>
+              </a:ext>
+            </a:extLst>
+          </a:blip>
+          <a:srcRect/>
+          <a:stretch>
+            <a:fillRect/>
+          </a:stretch>
+        </p:blipFill>
+        <p:spPr bwMode="auto">
+          <a:xfrm>
+            <a:off x="342575" y="746490"/>
+            <a:ext cx="6547890" cy="4285570"/>
+          </a:xfrm>
+          <a:prstGeom prst="rect">
+            <a:avLst/>
+          </a:prstGeom>
+          <a:noFill/>
+          <a:ln w="19050">
+            <a:solidFill>
+              <a:schemeClr val="tx1"/>
+            </a:solidFill>
+          </a:ln>
+          <a:extLst>
+            <a:ext uri="{909E8E84-426E-40DD-AFC4-6F175D3DCCD1}">
+              <a14:hiddenFill xmlns:a14="http://schemas.microsoft.com/office/drawing/2010/main">
+                <a:solidFill>
+                  <a:srgbClr val="FFFFFF"/>
+                </a:solidFill>
+              </a14:hiddenFill>
+            </a:ext>
+          </a:extLst>
+        </p:spPr>
+      </p:pic>
+      <p:pic>
+        <p:nvPicPr>
+          <p:cNvPr id="3075" name="Picture 3" descr="C:\Users\최선호\Desktop\캡처2.JPG"/>
+          <p:cNvPicPr>
+            <a:picLocks noChangeAspect="1" noChangeArrowheads="1"/>
+          </p:cNvPicPr>
+          <p:nvPr/>
+        </p:nvPicPr>
+        <p:blipFill>
+          <a:blip r:embed="rId5">
+            <a:extLst>
+              <a:ext uri="{28A0092B-C50C-407E-A947-70E740481C1C}">
+                <a14:useLocalDpi xmlns:a14="http://schemas.microsoft.com/office/drawing/2010/main" val="0"/>
+              </a:ext>
+            </a:extLst>
+          </a:blip>
+          <a:srcRect/>
+          <a:stretch>
+            <a:fillRect/>
+          </a:stretch>
+        </p:blipFill>
+        <p:spPr bwMode="auto">
+          <a:xfrm>
+            <a:off x="5053043" y="1969360"/>
+            <a:ext cx="6796087" cy="4595813"/>
+          </a:xfrm>
+          <a:prstGeom prst="rect">
+            <a:avLst/>
+          </a:prstGeom>
+          <a:noFill/>
+          <a:ln w="19050">
+            <a:solidFill>
+              <a:schemeClr val="tx1"/>
+            </a:solidFill>
+          </a:ln>
+          <a:extLst>
+            <a:ext uri="{909E8E84-426E-40DD-AFC4-6F175D3DCCD1}">
+              <a14:hiddenFill xmlns:a14="http://schemas.microsoft.com/office/drawing/2010/main">
+                <a:solidFill>
+                  <a:srgbClr val="FFFFFF"/>
+                </a:solidFill>
+              </a14:hiddenFill>
+            </a:ext>
+          </a:extLst>
+        </p:spPr>
+      </p:pic>
+      <p:sp>
+        <p:nvSpPr>
+          <p:cNvPr id="3" name="TextBox 2">
+            <a:hlinkClick r:id="rId3" action="ppaction://hlinkfile"/>
+          </p:cNvPr>
+          <p:cNvSpPr txBox="1"/>
+          <p:nvPr/>
+        </p:nvSpPr>
+        <p:spPr>
+          <a:xfrm>
+            <a:off x="996292" y="5512777"/>
+            <a:ext cx="2758023" cy="369332"/>
+          </a:xfrm>
+          <a:prstGeom prst="rect">
+            <a:avLst/>
+          </a:prstGeom>
+          <a:noFill/>
+        </p:spPr>
+        <p:txBody>
+          <a:bodyPr wrap="square" rtlCol="0">
+            <a:spAutoFit/>
+          </a:bodyPr>
+          <a:lstStyle/>
+          <a:p>
+            <a:r>
+              <a:rPr lang="ko-KR" altLang="en-US" dirty="0" smtClean="0">
+                <a:hlinkClick r:id="rId6"/>
+              </a:rPr>
+              <a:t>데모</a:t>
+            </a:r>
+            <a:endParaRPr lang="en-US" altLang="ko-KR" dirty="0" smtClean="0"/>
+          </a:p>
+        </p:txBody>
+      </p:sp>
+    </p:spTree>
+    <p:extLst>
+      <p:ext uri="{BB962C8B-B14F-4D97-AF65-F5344CB8AC3E}">
+        <p14:creationId xmlns:p14="http://schemas.microsoft.com/office/powerpoint/2010/main" val="1154036261"/>
       </p:ext>
     </p:extLst>
   </p:cSld>
